--- a/Presentation_and_report/Nikita_IntermediateProgress_presentation.pptx
+++ b/Presentation_and_report/Nikita_IntermediateProgress_presentation.pptx
@@ -5,10 +5,10 @@
     <p:sldMasterId id="2147483660" r:id="rId1"/>
   </p:sldMasterIdLst>
   <p:notesMasterIdLst>
-    <p:notesMasterId r:id="rId18"/>
+    <p:notesMasterId r:id="rId15"/>
   </p:notesMasterIdLst>
   <p:handoutMasterIdLst>
-    <p:handoutMasterId r:id="rId19"/>
+    <p:handoutMasterId r:id="rId16"/>
   </p:handoutMasterIdLst>
   <p:sldIdLst>
     <p:sldId id="305" r:id="rId2"/>
@@ -22,11 +22,8 @@
     <p:sldId id="317" r:id="rId10"/>
     <p:sldId id="306" r:id="rId11"/>
     <p:sldId id="321" r:id="rId12"/>
-    <p:sldId id="322" r:id="rId13"/>
-    <p:sldId id="309" r:id="rId14"/>
-    <p:sldId id="308" r:id="rId15"/>
-    <p:sldId id="323" r:id="rId16"/>
-    <p:sldId id="324" r:id="rId17"/>
+    <p:sldId id="323" r:id="rId13"/>
+    <p:sldId id="324" r:id="rId14"/>
   </p:sldIdLst>
   <p:sldSz cx="9144000" cy="5715000" type="screen16x10"/>
   <p:notesSz cx="6858000" cy="9144000"/>
@@ -243,7 +240,7 @@
             <a:pPr algn="l"/>
             <a:fld id="{23EA8153-FA0D-4567-B612-097BE51EB0E1}" type="datetime1">
               <a:rPr lang="de-DE" sz="800" smtClean="0"/>
-              <a:t>13.05.2022</a:t>
+              <a:t>17.05.2022</a:t>
             </a:fld>
             <a:endParaRPr lang="en-US" sz="800"/>
           </a:p>
@@ -438,7 +435,7 @@
           <a:p>
             <a:fld id="{595BC8A2-6DC3-4ACD-A374-BAFE1684372B}" type="datetime1">
               <a:rPr lang="de-DE" smtClean="0"/>
-              <a:t>13.05.2022</a:t>
+              <a:t>17.05.2022</a:t>
             </a:fld>
             <a:endParaRPr lang="en-US"/>
           </a:p>
@@ -14478,772 +14475,6 @@
           <p:cNvPr id="3" name="Text Placeholder 2">
             <a:extLst>
               <a:ext uri="{FF2B5EF4-FFF2-40B4-BE49-F238E27FC236}">
-                <a16:creationId xmlns:a16="http://schemas.microsoft.com/office/drawing/2014/main" id="{02DE44C6-49D3-4F02-A83E-1A2AA27230D9}"/>
-              </a:ext>
-            </a:extLst>
-          </p:cNvPr>
-          <p:cNvSpPr>
-            <a:spLocks noGrp="1"/>
-          </p:cNvSpPr>
-          <p:nvPr>
-            <p:ph type="body" sz="quarter" idx="13"/>
-          </p:nvPr>
-        </p:nvSpPr>
-        <p:spPr>
-          <a:xfrm>
-            <a:off x="2438026" y="889418"/>
-            <a:ext cx="3561913" cy="483423"/>
-          </a:xfrm>
-        </p:spPr>
-        <p:txBody>
-          <a:bodyPr/>
-          <a:lstStyle/>
-          <a:p>
-            <a:pPr algn="ctr"/>
-            <a:r>
-              <a:rPr lang="de-DE" sz="2400" dirty="0"/>
-              <a:t>DATA PREPROCESSING</a:t>
-            </a:r>
-            <a:endParaRPr lang="en-US" sz="2400" dirty="0"/>
-          </a:p>
-        </p:txBody>
-      </p:sp>
-      <p:sp>
-        <p:nvSpPr>
-          <p:cNvPr id="6" name="TextBox 5">
-            <a:extLst>
-              <a:ext uri="{FF2B5EF4-FFF2-40B4-BE49-F238E27FC236}">
-                <a16:creationId xmlns:a16="http://schemas.microsoft.com/office/drawing/2014/main" id="{60B55600-A205-4777-AA56-B0A7E277FAE0}"/>
-              </a:ext>
-            </a:extLst>
-          </p:cNvPr>
-          <p:cNvSpPr txBox="1"/>
-          <p:nvPr/>
-        </p:nvSpPr>
-        <p:spPr>
-          <a:xfrm>
-            <a:off x="794479" y="1656413"/>
-            <a:ext cx="7824865" cy="3169169"/>
-          </a:xfrm>
-          <a:prstGeom prst="rect">
-            <a:avLst/>
-          </a:prstGeom>
-          <a:noFill/>
-        </p:spPr>
-        <p:txBody>
-          <a:bodyPr wrap="square" lIns="0" tIns="0" rIns="0" bIns="0" rtlCol="0">
-            <a:noAutofit/>
-          </a:bodyPr>
-          <a:lstStyle/>
-          <a:p>
-            <a:pPr marL="179388" indent="-179388">
-              <a:buClr>
-                <a:schemeClr val="accent1"/>
-              </a:buClr>
-              <a:buFont typeface="Arial" panose="020B0604020202020204" pitchFamily="34" charset="0"/>
-              <a:buChar char="•"/>
-            </a:pPr>
-            <a:r>
-              <a:rPr lang="de-DE" sz="2000" dirty="0"/>
-              <a:t>Initial Dataset </a:t>
-            </a:r>
-            <a:r>
-              <a:rPr lang="de-DE" sz="2000" dirty="0" err="1"/>
-              <a:t>is</a:t>
-            </a:r>
-            <a:r>
-              <a:rPr lang="de-DE" sz="2000" dirty="0"/>
-              <a:t> </a:t>
-            </a:r>
-            <a:r>
-              <a:rPr lang="de-DE" sz="2000" dirty="0" err="1"/>
-              <a:t>obtained</a:t>
-            </a:r>
-            <a:r>
-              <a:rPr lang="de-DE" sz="2000" dirty="0"/>
-              <a:t> with </a:t>
-            </a:r>
-            <a:r>
-              <a:rPr lang="de-DE" sz="2000" dirty="0" err="1"/>
-              <a:t>Timestamp</a:t>
-            </a:r>
-            <a:r>
-              <a:rPr lang="de-DE" sz="2000" dirty="0"/>
-              <a:t> and 8 </a:t>
-            </a:r>
-            <a:r>
-              <a:rPr lang="de-DE" sz="2000" dirty="0" err="1"/>
-              <a:t>data</a:t>
-            </a:r>
-            <a:r>
-              <a:rPr lang="de-DE" sz="2000" dirty="0"/>
-              <a:t> </a:t>
-            </a:r>
-            <a:r>
-              <a:rPr lang="de-DE" sz="2000" dirty="0" err="1"/>
-              <a:t>columns</a:t>
-            </a:r>
-            <a:r>
-              <a:rPr lang="de-DE" sz="2000" dirty="0"/>
-              <a:t>.</a:t>
-            </a:r>
-          </a:p>
-          <a:p>
-            <a:pPr marL="179388" indent="-179388">
-              <a:buClr>
-                <a:schemeClr val="accent1"/>
-              </a:buClr>
-              <a:buFont typeface="Arial" panose="020B0604020202020204" pitchFamily="34" charset="0"/>
-              <a:buChar char="•"/>
-            </a:pPr>
-            <a:r>
-              <a:rPr lang="de-DE" sz="2000" dirty="0"/>
-              <a:t>After </a:t>
-            </a:r>
-            <a:r>
-              <a:rPr lang="de-DE" sz="2000" dirty="0" err="1"/>
-              <a:t>evaluation</a:t>
-            </a:r>
-            <a:r>
-              <a:rPr lang="de-DE" sz="2000" dirty="0"/>
-              <a:t>, </a:t>
-            </a:r>
-            <a:r>
-              <a:rPr lang="de-DE" sz="2000" dirty="0" err="1"/>
-              <a:t>the</a:t>
-            </a:r>
-            <a:r>
-              <a:rPr lang="de-DE" sz="2000" dirty="0"/>
-              <a:t> final </a:t>
-            </a:r>
-            <a:r>
-              <a:rPr lang="de-DE" sz="2000" dirty="0" err="1"/>
-              <a:t>dataset</a:t>
-            </a:r>
-            <a:r>
-              <a:rPr lang="de-DE" sz="2000" dirty="0"/>
-              <a:t> </a:t>
-            </a:r>
-            <a:r>
-              <a:rPr lang="de-DE" sz="2000" dirty="0" err="1"/>
-              <a:t>format</a:t>
-            </a:r>
-            <a:r>
-              <a:rPr lang="de-DE" sz="2000" dirty="0"/>
-              <a:t> </a:t>
-            </a:r>
-            <a:r>
-              <a:rPr lang="de-DE" sz="2000" dirty="0" err="1"/>
-              <a:t>is</a:t>
-            </a:r>
-            <a:r>
-              <a:rPr lang="de-DE" sz="2000" dirty="0"/>
-              <a:t> </a:t>
-            </a:r>
-            <a:r>
-              <a:rPr lang="de-DE" sz="2000" dirty="0" err="1"/>
-              <a:t>Timestamp</a:t>
-            </a:r>
-            <a:r>
-              <a:rPr lang="de-DE" sz="2000" dirty="0"/>
-              <a:t> and 4 </a:t>
-            </a:r>
-            <a:r>
-              <a:rPr lang="de-DE" sz="2000" dirty="0" err="1"/>
-              <a:t>columns</a:t>
-            </a:r>
-            <a:r>
-              <a:rPr lang="de-DE" sz="2000" dirty="0"/>
-              <a:t> </a:t>
-            </a:r>
-            <a:r>
-              <a:rPr lang="de-DE" sz="2000" dirty="0" err="1"/>
-              <a:t>named</a:t>
-            </a:r>
-            <a:r>
-              <a:rPr lang="de-DE" sz="2000" dirty="0"/>
-              <a:t>: Speed, Rotation, Position, and Translation </a:t>
-            </a:r>
-          </a:p>
-          <a:p>
-            <a:pPr marL="179388" indent="-179388">
-              <a:buClr>
-                <a:schemeClr val="accent1"/>
-              </a:buClr>
-              <a:buFont typeface="Arial" panose="020B0604020202020204" pitchFamily="34" charset="0"/>
-              <a:buChar char="•"/>
-            </a:pPr>
-            <a:r>
-              <a:rPr lang="de-DE" sz="2000" dirty="0" err="1"/>
-              <a:t>During</a:t>
-            </a:r>
-            <a:r>
-              <a:rPr lang="de-DE" sz="2000" dirty="0"/>
-              <a:t> </a:t>
-            </a:r>
-            <a:r>
-              <a:rPr lang="de-DE" sz="2000" dirty="0" err="1"/>
-              <a:t>preprocessing</a:t>
-            </a:r>
-            <a:r>
-              <a:rPr lang="de-DE" sz="2000" dirty="0"/>
-              <a:t>, </a:t>
-            </a:r>
-            <a:r>
-              <a:rPr lang="de-DE" sz="2000" dirty="0" err="1"/>
-              <a:t>data</a:t>
-            </a:r>
-            <a:r>
-              <a:rPr lang="de-DE" sz="2000" dirty="0"/>
-              <a:t> </a:t>
-            </a:r>
-            <a:r>
-              <a:rPr lang="de-DE" sz="2000" dirty="0" err="1"/>
-              <a:t>is</a:t>
-            </a:r>
-            <a:r>
-              <a:rPr lang="de-DE" sz="2000" dirty="0"/>
-              <a:t> </a:t>
-            </a:r>
-            <a:r>
-              <a:rPr lang="de-DE" sz="2000" dirty="0" err="1"/>
-              <a:t>split</a:t>
-            </a:r>
-            <a:r>
-              <a:rPr lang="de-DE" sz="2000" dirty="0"/>
-              <a:t> </a:t>
-            </a:r>
-            <a:r>
-              <a:rPr lang="de-DE" sz="2000" dirty="0" err="1"/>
-              <a:t>into</a:t>
-            </a:r>
-            <a:r>
-              <a:rPr lang="de-DE" sz="2000" dirty="0"/>
-              <a:t> </a:t>
-            </a:r>
-            <a:r>
-              <a:rPr lang="de-DE" sz="2000" dirty="0" err="1"/>
-              <a:t>training</a:t>
-            </a:r>
-            <a:r>
-              <a:rPr lang="de-DE" sz="2000" dirty="0"/>
-              <a:t> </a:t>
-            </a:r>
-            <a:r>
-              <a:rPr lang="de-DE" sz="2000" dirty="0" err="1"/>
-              <a:t>examples</a:t>
-            </a:r>
-            <a:r>
-              <a:rPr lang="de-DE" sz="2000" dirty="0"/>
-              <a:t>, </a:t>
-            </a:r>
-            <a:r>
-              <a:rPr lang="de-DE" sz="2000" dirty="0" err="1"/>
-              <a:t>validation</a:t>
-            </a:r>
-            <a:r>
-              <a:rPr lang="de-DE" sz="2000" dirty="0"/>
-              <a:t> </a:t>
-            </a:r>
-            <a:r>
-              <a:rPr lang="de-DE" sz="2000" dirty="0" err="1"/>
-              <a:t>examples</a:t>
-            </a:r>
-            <a:r>
-              <a:rPr lang="de-DE" sz="2000" dirty="0"/>
-              <a:t>, and </a:t>
-            </a:r>
-            <a:r>
-              <a:rPr lang="de-DE" sz="2000" dirty="0" err="1"/>
-              <a:t>test</a:t>
-            </a:r>
-            <a:r>
-              <a:rPr lang="de-DE" sz="2000" dirty="0"/>
-              <a:t> </a:t>
-            </a:r>
-            <a:r>
-              <a:rPr lang="de-DE" sz="2000" dirty="0" err="1"/>
-              <a:t>examples</a:t>
-            </a:r>
-            <a:endParaRPr lang="de-DE" sz="2000" dirty="0"/>
-          </a:p>
-          <a:p>
-            <a:pPr marL="179388" indent="-179388">
-              <a:buClr>
-                <a:schemeClr val="accent1"/>
-              </a:buClr>
-              <a:buFont typeface="Arial" panose="020B0604020202020204" pitchFamily="34" charset="0"/>
-              <a:buChar char="•"/>
-            </a:pPr>
-            <a:r>
-              <a:rPr lang="de-DE" sz="2000" dirty="0" err="1"/>
-              <a:t>Pre</a:t>
-            </a:r>
-            <a:r>
-              <a:rPr lang="de-DE" sz="2000" dirty="0"/>
-              <a:t>-Processing will </a:t>
-            </a:r>
-            <a:r>
-              <a:rPr lang="de-DE" sz="2000" dirty="0" err="1"/>
-              <a:t>be</a:t>
-            </a:r>
-            <a:r>
-              <a:rPr lang="de-DE" sz="2000" dirty="0"/>
-              <a:t> performed with respect to </a:t>
-            </a:r>
-            <a:r>
-              <a:rPr lang="de-DE" sz="2000" dirty="0" err="1"/>
-              <a:t>every</a:t>
-            </a:r>
-            <a:r>
-              <a:rPr lang="de-DE" sz="2000" dirty="0"/>
-              <a:t> </a:t>
-            </a:r>
-            <a:r>
-              <a:rPr lang="de-DE" sz="2000" dirty="0" err="1"/>
-              <a:t>attribute</a:t>
-            </a:r>
-            <a:r>
-              <a:rPr lang="de-DE" sz="2000" dirty="0"/>
-              <a:t>: Speed, Position, Rotation, and Translation</a:t>
-            </a:r>
-          </a:p>
-          <a:p>
-            <a:pPr marL="179388" indent="-179388">
-              <a:buClr>
-                <a:schemeClr val="accent1"/>
-              </a:buClr>
-              <a:buFont typeface="Arial" panose="020B0604020202020204" pitchFamily="34" charset="0"/>
-              <a:buChar char="•"/>
-            </a:pPr>
-            <a:r>
-              <a:rPr lang="de-DE" sz="2000" dirty="0"/>
-              <a:t>All </a:t>
-            </a:r>
-            <a:r>
-              <a:rPr lang="de-DE" sz="2000" dirty="0" err="1"/>
-              <a:t>the</a:t>
-            </a:r>
-            <a:r>
-              <a:rPr lang="de-DE" sz="2000" dirty="0"/>
-              <a:t> </a:t>
-            </a:r>
-            <a:r>
-              <a:rPr lang="de-DE" sz="2000" dirty="0" err="1"/>
-              <a:t>features</a:t>
-            </a:r>
-            <a:r>
-              <a:rPr lang="de-DE" sz="2000" dirty="0"/>
-              <a:t> </a:t>
-            </a:r>
-            <a:r>
-              <a:rPr lang="de-DE" sz="2000" dirty="0" err="1"/>
-              <a:t>are</a:t>
-            </a:r>
-            <a:r>
-              <a:rPr lang="de-DE" sz="2000" dirty="0"/>
-              <a:t> concatenated and encoded </a:t>
-            </a:r>
-            <a:r>
-              <a:rPr lang="de-DE" sz="2000" dirty="0" err="1"/>
-              <a:t>accordingly</a:t>
-            </a:r>
-            <a:r>
-              <a:rPr lang="de-DE" sz="2000" dirty="0"/>
-              <a:t> </a:t>
-            </a:r>
-            <a:r>
-              <a:rPr lang="de-DE" sz="2000" dirty="0" err="1"/>
-              <a:t>for</a:t>
-            </a:r>
-            <a:r>
-              <a:rPr lang="de-DE" sz="2000" dirty="0"/>
-              <a:t> </a:t>
-            </a:r>
-            <a:r>
-              <a:rPr lang="de-DE" sz="2000" dirty="0" err="1"/>
-              <a:t>better</a:t>
-            </a:r>
-            <a:r>
-              <a:rPr lang="de-DE" sz="2000" dirty="0"/>
-              <a:t> </a:t>
-            </a:r>
-            <a:r>
-              <a:rPr lang="de-DE" sz="2000" dirty="0" err="1"/>
-              <a:t>accuracy</a:t>
-            </a:r>
-            <a:r>
-              <a:rPr lang="de-DE" sz="2000" dirty="0"/>
-              <a:t> in Deep Learning </a:t>
-            </a:r>
-            <a:r>
-              <a:rPr lang="de-DE" sz="2000" dirty="0" err="1"/>
-              <a:t>model</a:t>
-            </a:r>
-            <a:endParaRPr lang="en-US" sz="2000" dirty="0"/>
-          </a:p>
-        </p:txBody>
-      </p:sp>
-    </p:spTree>
-    <p:extLst>
-      <p:ext uri="{BB962C8B-B14F-4D97-AF65-F5344CB8AC3E}">
-        <p14:creationId xmlns:p14="http://schemas.microsoft.com/office/powerpoint/2010/main" val="1559058692"/>
-      </p:ext>
-    </p:extLst>
-  </p:cSld>
-  <p:clrMapOvr>
-    <a:masterClrMapping/>
-  </p:clrMapOvr>
-</p:sld>
-</file>
-
-<file path=ppt/slides/slide13.xml><?xml version="1.0" encoding="utf-8"?>
-<p:sld xmlns:a="http://schemas.openxmlformats.org/drawingml/2006/main" xmlns:r="http://schemas.openxmlformats.org/officeDocument/2006/relationships" xmlns:p="http://schemas.openxmlformats.org/presentationml/2006/main">
-  <p:cSld>
-    <p:spTree>
-      <p:nvGrpSpPr>
-        <p:cNvPr id="1" name=""/>
-        <p:cNvGrpSpPr/>
-        <p:nvPr/>
-      </p:nvGrpSpPr>
-      <p:grpSpPr>
-        <a:xfrm>
-          <a:off x="0" y="0"/>
-          <a:ext cx="0" cy="0"/>
-          <a:chOff x="0" y="0"/>
-          <a:chExt cx="0" cy="0"/>
-        </a:xfrm>
-      </p:grpSpPr>
-      <p:sp>
-        <p:nvSpPr>
-          <p:cNvPr id="3" name="Date Placeholder 2">
-            <a:extLst>
-              <a:ext uri="{FF2B5EF4-FFF2-40B4-BE49-F238E27FC236}">
-                <a16:creationId xmlns:a16="http://schemas.microsoft.com/office/drawing/2014/main" id="{60A92C4D-F3DC-4650-AB7D-0F8F0CD17DD3}"/>
-              </a:ext>
-            </a:extLst>
-          </p:cNvPr>
-          <p:cNvSpPr>
-            <a:spLocks noGrp="1"/>
-          </p:cNvSpPr>
-          <p:nvPr>
-            <p:ph type="dt" sz="half" idx="10"/>
-          </p:nvPr>
-        </p:nvSpPr>
-        <p:spPr/>
-        <p:txBody>
-          <a:bodyPr/>
-          <a:lstStyle/>
-          <a:p>
-            <a:r>
-              <a:rPr lang="en-US"/>
-              <a:t>1/20/2016</a:t>
-            </a:r>
-            <a:endParaRPr lang="de-DE" dirty="0"/>
-          </a:p>
-        </p:txBody>
-      </p:sp>
-      <p:sp>
-        <p:nvSpPr>
-          <p:cNvPr id="4" name="Footer Placeholder 3">
-            <a:extLst>
-              <a:ext uri="{FF2B5EF4-FFF2-40B4-BE49-F238E27FC236}">
-                <a16:creationId xmlns:a16="http://schemas.microsoft.com/office/drawing/2014/main" id="{68751BFA-422B-4094-B78A-14392CDAA70C}"/>
-              </a:ext>
-            </a:extLst>
-          </p:cNvPr>
-          <p:cNvSpPr>
-            <a:spLocks noGrp="1"/>
-          </p:cNvSpPr>
-          <p:nvPr>
-            <p:ph type="ftr" sz="quarter" idx="11"/>
-          </p:nvPr>
-        </p:nvSpPr>
-        <p:spPr/>
-        <p:txBody>
-          <a:bodyPr/>
-          <a:lstStyle/>
-          <a:p>
-            <a:r>
-              <a:rPr lang="de-DE" dirty="0"/>
-              <a:t>University of Stuttgart</a:t>
-            </a:r>
-          </a:p>
-        </p:txBody>
-      </p:sp>
-      <p:sp>
-        <p:nvSpPr>
-          <p:cNvPr id="5" name="Slide Number Placeholder 4">
-            <a:extLst>
-              <a:ext uri="{FF2B5EF4-FFF2-40B4-BE49-F238E27FC236}">
-                <a16:creationId xmlns:a16="http://schemas.microsoft.com/office/drawing/2014/main" id="{433A01BE-174A-47E5-B78C-43AE15FD4B00}"/>
-              </a:ext>
-            </a:extLst>
-          </p:cNvPr>
-          <p:cNvSpPr>
-            <a:spLocks noGrp="1"/>
-          </p:cNvSpPr>
-          <p:nvPr>
-            <p:ph type="sldNum" sz="quarter" idx="12"/>
-          </p:nvPr>
-        </p:nvSpPr>
-        <p:spPr/>
-        <p:txBody>
-          <a:bodyPr/>
-          <a:lstStyle/>
-          <a:p>
-            <a:fld id="{9E82CC3C-1DC0-4FDA-9590-6CC506AB67F8}" type="slidenum">
-              <a:rPr lang="de-DE" smtClean="0"/>
-              <a:t>13</a:t>
-            </a:fld>
-            <a:endParaRPr lang="de-DE" dirty="0"/>
-          </a:p>
-        </p:txBody>
-      </p:sp>
-      <p:pic>
-        <p:nvPicPr>
-          <p:cNvPr id="9" name="Content Placeholder 8" descr="Diagram&#10;&#10;Description automatically generated">
-            <a:extLst>
-              <a:ext uri="{FF2B5EF4-FFF2-40B4-BE49-F238E27FC236}">
-                <a16:creationId xmlns:a16="http://schemas.microsoft.com/office/drawing/2014/main" id="{A7B349B7-5F69-4491-8335-9123B4EA23D3}"/>
-              </a:ext>
-            </a:extLst>
-          </p:cNvPr>
-          <p:cNvPicPr>
-            <a:picLocks noGrp="1" noChangeAspect="1"/>
-          </p:cNvPicPr>
-          <p:nvPr>
-            <p:ph idx="1"/>
-          </p:nvPr>
-        </p:nvPicPr>
-        <p:blipFill>
-          <a:blip r:embed="rId2"/>
-          <a:stretch>
-            <a:fillRect/>
-          </a:stretch>
-        </p:blipFill>
-        <p:spPr>
-          <a:xfrm>
-            <a:off x="468313" y="404734"/>
-            <a:ext cx="8207375" cy="4887266"/>
-          </a:xfrm>
-        </p:spPr>
-      </p:pic>
-    </p:spTree>
-    <p:extLst>
-      <p:ext uri="{BB962C8B-B14F-4D97-AF65-F5344CB8AC3E}">
-        <p14:creationId xmlns:p14="http://schemas.microsoft.com/office/powerpoint/2010/main" val="1696855024"/>
-      </p:ext>
-    </p:extLst>
-  </p:cSld>
-  <p:clrMapOvr>
-    <a:masterClrMapping/>
-  </p:clrMapOvr>
-</p:sld>
-</file>
-
-<file path=ppt/slides/slide14.xml><?xml version="1.0" encoding="utf-8"?>
-<p:sld xmlns:a="http://schemas.openxmlformats.org/drawingml/2006/main" xmlns:r="http://schemas.openxmlformats.org/officeDocument/2006/relationships" xmlns:p="http://schemas.openxmlformats.org/presentationml/2006/main">
-  <p:cSld>
-    <p:spTree>
-      <p:nvGrpSpPr>
-        <p:cNvPr id="1" name=""/>
-        <p:cNvGrpSpPr/>
-        <p:nvPr/>
-      </p:nvGrpSpPr>
-      <p:grpSpPr>
-        <a:xfrm>
-          <a:off x="0" y="0"/>
-          <a:ext cx="0" cy="0"/>
-          <a:chOff x="0" y="0"/>
-          <a:chExt cx="0" cy="0"/>
-        </a:xfrm>
-      </p:grpSpPr>
-      <p:pic>
-        <p:nvPicPr>
-          <p:cNvPr id="8" name="Content Placeholder 7" descr="Chart, line chart&#10;&#10;Description automatically generated">
-            <a:extLst>
-              <a:ext uri="{FF2B5EF4-FFF2-40B4-BE49-F238E27FC236}">
-                <a16:creationId xmlns:a16="http://schemas.microsoft.com/office/drawing/2014/main" id="{74B9E694-4207-4F63-BE8A-A0648C00459B}"/>
-              </a:ext>
-            </a:extLst>
-          </p:cNvPr>
-          <p:cNvPicPr>
-            <a:picLocks noGrp="1" noChangeAspect="1"/>
-          </p:cNvPicPr>
-          <p:nvPr>
-            <p:ph idx="1"/>
-          </p:nvPr>
-        </p:nvPicPr>
-        <p:blipFill>
-          <a:blip r:embed="rId2"/>
-          <a:stretch>
-            <a:fillRect/>
-          </a:stretch>
-        </p:blipFill>
-        <p:spPr>
-          <a:xfrm>
-            <a:off x="468313" y="1216547"/>
-            <a:ext cx="8207375" cy="3720056"/>
-          </a:xfrm>
-        </p:spPr>
-      </p:pic>
-      <p:sp>
-        <p:nvSpPr>
-          <p:cNvPr id="3" name="Date Placeholder 2">
-            <a:extLst>
-              <a:ext uri="{FF2B5EF4-FFF2-40B4-BE49-F238E27FC236}">
-                <a16:creationId xmlns:a16="http://schemas.microsoft.com/office/drawing/2014/main" id="{2FB0D447-87FE-4D1F-83F8-B215213B1845}"/>
-              </a:ext>
-            </a:extLst>
-          </p:cNvPr>
-          <p:cNvSpPr>
-            <a:spLocks noGrp="1"/>
-          </p:cNvSpPr>
-          <p:nvPr>
-            <p:ph type="dt" sz="half" idx="10"/>
-          </p:nvPr>
-        </p:nvSpPr>
-        <p:spPr/>
-        <p:txBody>
-          <a:bodyPr/>
-          <a:lstStyle/>
-          <a:p>
-            <a:r>
-              <a:rPr lang="en-US"/>
-              <a:t>1/20/2016</a:t>
-            </a:r>
-            <a:endParaRPr lang="de-DE" dirty="0"/>
-          </a:p>
-        </p:txBody>
-      </p:sp>
-      <p:sp>
-        <p:nvSpPr>
-          <p:cNvPr id="4" name="Footer Placeholder 3">
-            <a:extLst>
-              <a:ext uri="{FF2B5EF4-FFF2-40B4-BE49-F238E27FC236}">
-                <a16:creationId xmlns:a16="http://schemas.microsoft.com/office/drawing/2014/main" id="{24F65EAE-8D2A-4576-9BE5-5F5204FD6E3B}"/>
-              </a:ext>
-            </a:extLst>
-          </p:cNvPr>
-          <p:cNvSpPr>
-            <a:spLocks noGrp="1"/>
-          </p:cNvSpPr>
-          <p:nvPr>
-            <p:ph type="ftr" sz="quarter" idx="11"/>
-          </p:nvPr>
-        </p:nvSpPr>
-        <p:spPr/>
-        <p:txBody>
-          <a:bodyPr/>
-          <a:lstStyle/>
-          <a:p>
-            <a:r>
-              <a:rPr lang="de-DE" dirty="0"/>
-              <a:t>University of Stuttgart</a:t>
-            </a:r>
-          </a:p>
-        </p:txBody>
-      </p:sp>
-      <p:sp>
-        <p:nvSpPr>
-          <p:cNvPr id="5" name="Slide Number Placeholder 4">
-            <a:extLst>
-              <a:ext uri="{FF2B5EF4-FFF2-40B4-BE49-F238E27FC236}">
-                <a16:creationId xmlns:a16="http://schemas.microsoft.com/office/drawing/2014/main" id="{4694C021-775E-4999-8FE3-2315695685A1}"/>
-              </a:ext>
-            </a:extLst>
-          </p:cNvPr>
-          <p:cNvSpPr>
-            <a:spLocks noGrp="1"/>
-          </p:cNvSpPr>
-          <p:nvPr>
-            <p:ph type="sldNum" sz="quarter" idx="12"/>
-          </p:nvPr>
-        </p:nvSpPr>
-        <p:spPr/>
-        <p:txBody>
-          <a:bodyPr/>
-          <a:lstStyle/>
-          <a:p>
-            <a:fld id="{9E82CC3C-1DC0-4FDA-9590-6CC506AB67F8}" type="slidenum">
-              <a:rPr lang="de-DE" smtClean="0"/>
-              <a:t>14</a:t>
-            </a:fld>
-            <a:endParaRPr lang="de-DE" dirty="0"/>
-          </a:p>
-        </p:txBody>
-      </p:sp>
-      <p:sp>
-        <p:nvSpPr>
-          <p:cNvPr id="7" name="Title 6">
-            <a:extLst>
-              <a:ext uri="{FF2B5EF4-FFF2-40B4-BE49-F238E27FC236}">
-                <a16:creationId xmlns:a16="http://schemas.microsoft.com/office/drawing/2014/main" id="{C6146248-F73A-42C4-BC92-C3566DA3941E}"/>
-              </a:ext>
-            </a:extLst>
-          </p:cNvPr>
-          <p:cNvSpPr>
-            <a:spLocks noGrp="1"/>
-          </p:cNvSpPr>
-          <p:nvPr>
-            <p:ph type="title"/>
-          </p:nvPr>
-        </p:nvSpPr>
-        <p:spPr>
-          <a:xfrm>
-            <a:off x="468313" y="396000"/>
-            <a:ext cx="8207375" cy="450944"/>
-          </a:xfrm>
-        </p:spPr>
-        <p:txBody>
-          <a:bodyPr/>
-          <a:lstStyle/>
-          <a:p>
-            <a:pPr algn="ctr"/>
-            <a:r>
-              <a:rPr lang="de-DE" sz="2400" dirty="0"/>
-              <a:t>DL MODEL OUTPUT (Accuracy and Loss)</a:t>
-            </a:r>
-            <a:endParaRPr lang="en-US" sz="2400" dirty="0"/>
-          </a:p>
-        </p:txBody>
-      </p:sp>
-    </p:spTree>
-    <p:extLst>
-      <p:ext uri="{BB962C8B-B14F-4D97-AF65-F5344CB8AC3E}">
-        <p14:creationId xmlns:p14="http://schemas.microsoft.com/office/powerpoint/2010/main" val="924004462"/>
-      </p:ext>
-    </p:extLst>
-  </p:cSld>
-  <p:clrMapOvr>
-    <a:masterClrMapping/>
-  </p:clrMapOvr>
-</p:sld>
-</file>
-
-<file path=ppt/slides/slide15.xml><?xml version="1.0" encoding="utf-8"?>
-<p:sld xmlns:a="http://schemas.openxmlformats.org/drawingml/2006/main" xmlns:r="http://schemas.openxmlformats.org/officeDocument/2006/relationships" xmlns:p="http://schemas.openxmlformats.org/presentationml/2006/main">
-  <p:cSld>
-    <p:spTree>
-      <p:nvGrpSpPr>
-        <p:cNvPr id="1" name=""/>
-        <p:cNvGrpSpPr/>
-        <p:nvPr/>
-      </p:nvGrpSpPr>
-      <p:grpSpPr>
-        <a:xfrm>
-          <a:off x="0" y="0"/>
-          <a:ext cx="0" cy="0"/>
-          <a:chOff x="0" y="0"/>
-          <a:chExt cx="0" cy="0"/>
-        </a:xfrm>
-      </p:grpSpPr>
-      <p:sp>
-        <p:nvSpPr>
-          <p:cNvPr id="3" name="Text Placeholder 2">
-            <a:extLst>
-              <a:ext uri="{FF2B5EF4-FFF2-40B4-BE49-F238E27FC236}">
                 <a16:creationId xmlns:a16="http://schemas.microsoft.com/office/drawing/2014/main" id="{7D37D054-5F62-4F8C-A497-059BBEDDA5FC}"/>
               </a:ext>
             </a:extLst>
@@ -15398,218 +14629,13 @@
               <a:t>DATA PREPROCESSING AND OUTPUT</a:t>
             </a:r>
             <a:r>
-              <a:rPr lang="de-DE" sz="1800" dirty="0">
+              <a:rPr lang="de-DE" sz="1800">
                 <a:solidFill>
                   <a:schemeClr val="tx1"/>
                 </a:solidFill>
               </a:rPr>
-              <a:t>:  </a:t>
-            </a:r>
-            <a:r>
-              <a:rPr lang="de-DE" sz="1800" dirty="0" err="1">
-                <a:solidFill>
-                  <a:schemeClr val="tx1"/>
-                </a:solidFill>
-              </a:rPr>
-              <a:t>Preprocessing</a:t>
-            </a:r>
-            <a:r>
-              <a:rPr lang="de-DE" sz="1800" dirty="0">
-                <a:solidFill>
-                  <a:schemeClr val="tx1"/>
-                </a:solidFill>
-              </a:rPr>
-              <a:t> and Output (in </a:t>
-            </a:r>
-            <a:r>
-              <a:rPr lang="de-DE" sz="1800" dirty="0" err="1">
-                <a:solidFill>
-                  <a:schemeClr val="tx1"/>
-                </a:solidFill>
-              </a:rPr>
-              <a:t>forms</a:t>
-            </a:r>
-            <a:r>
-              <a:rPr lang="de-DE" sz="1800" dirty="0">
-                <a:solidFill>
-                  <a:schemeClr val="tx1"/>
-                </a:solidFill>
-              </a:rPr>
-              <a:t> of </a:t>
-            </a:r>
-            <a:r>
-              <a:rPr lang="de-DE" sz="1800" dirty="0" err="1">
-                <a:solidFill>
-                  <a:schemeClr val="tx1"/>
-                </a:solidFill>
-              </a:rPr>
-              <a:t>accuracy</a:t>
-            </a:r>
-            <a:r>
-              <a:rPr lang="de-DE" sz="1800" dirty="0">
-                <a:solidFill>
-                  <a:schemeClr val="tx1"/>
-                </a:solidFill>
-              </a:rPr>
-              <a:t> and Loss) will </a:t>
-            </a:r>
-            <a:r>
-              <a:rPr lang="de-DE" sz="1800" dirty="0" err="1">
-                <a:solidFill>
-                  <a:schemeClr val="tx1"/>
-                </a:solidFill>
-              </a:rPr>
-              <a:t>be</a:t>
-            </a:r>
-            <a:r>
-              <a:rPr lang="de-DE" sz="1800" dirty="0">
-                <a:solidFill>
-                  <a:schemeClr val="tx1"/>
-                </a:solidFill>
-              </a:rPr>
-              <a:t> </a:t>
-            </a:r>
-            <a:r>
-              <a:rPr lang="de-DE" sz="1800" dirty="0" err="1">
-                <a:solidFill>
-                  <a:schemeClr val="tx1"/>
-                </a:solidFill>
-              </a:rPr>
-              <a:t>recorded</a:t>
-            </a:r>
-            <a:r>
-              <a:rPr lang="de-DE" sz="1800" dirty="0">
-                <a:solidFill>
-                  <a:schemeClr val="tx1"/>
-                </a:solidFill>
-              </a:rPr>
-              <a:t> </a:t>
-            </a:r>
-            <a:r>
-              <a:rPr lang="de-DE" sz="1800" dirty="0" err="1">
-                <a:solidFill>
-                  <a:schemeClr val="tx1"/>
-                </a:solidFill>
-              </a:rPr>
-              <a:t>for</a:t>
-            </a:r>
-            <a:r>
-              <a:rPr lang="de-DE" sz="1800" dirty="0">
-                <a:solidFill>
-                  <a:schemeClr val="tx1"/>
-                </a:solidFill>
-              </a:rPr>
-              <a:t> </a:t>
-            </a:r>
-            <a:r>
-              <a:rPr lang="de-DE" sz="1800" dirty="0" err="1">
-                <a:solidFill>
-                  <a:schemeClr val="tx1"/>
-                </a:solidFill>
-              </a:rPr>
-              <a:t>every</a:t>
-            </a:r>
-            <a:r>
-              <a:rPr lang="de-DE" sz="1800" dirty="0">
-                <a:solidFill>
-                  <a:schemeClr val="tx1"/>
-                </a:solidFill>
-              </a:rPr>
-              <a:t> </a:t>
-            </a:r>
-            <a:r>
-              <a:rPr lang="de-DE" sz="1800" dirty="0" err="1">
-                <a:solidFill>
-                  <a:schemeClr val="tx1"/>
-                </a:solidFill>
-              </a:rPr>
-              <a:t>attribute</a:t>
-            </a:r>
-            <a:r>
-              <a:rPr lang="de-DE" sz="1800" dirty="0">
-                <a:solidFill>
-                  <a:schemeClr val="tx1"/>
-                </a:solidFill>
-              </a:rPr>
-              <a:t> </a:t>
-            </a:r>
-            <a:r>
-              <a:rPr lang="de-DE" sz="1800" dirty="0" err="1">
-                <a:solidFill>
-                  <a:schemeClr val="tx1"/>
-                </a:solidFill>
-              </a:rPr>
-              <a:t>as</a:t>
-            </a:r>
-            <a:r>
-              <a:rPr lang="de-DE" sz="1800" dirty="0">
-                <a:solidFill>
-                  <a:schemeClr val="tx1"/>
-                </a:solidFill>
-              </a:rPr>
-              <a:t> </a:t>
-            </a:r>
-            <a:r>
-              <a:rPr lang="de-DE" sz="1800" dirty="0" err="1">
-                <a:solidFill>
-                  <a:schemeClr val="tx1"/>
-                </a:solidFill>
-              </a:rPr>
-              <a:t>well</a:t>
-            </a:r>
-            <a:r>
-              <a:rPr lang="de-DE" sz="1800" dirty="0">
-                <a:solidFill>
-                  <a:schemeClr val="tx1"/>
-                </a:solidFill>
-              </a:rPr>
-              <a:t> </a:t>
-            </a:r>
-            <a:r>
-              <a:rPr lang="de-DE" sz="1800" dirty="0" err="1">
-                <a:solidFill>
-                  <a:schemeClr val="tx1"/>
-                </a:solidFill>
-              </a:rPr>
-              <a:t>as</a:t>
-            </a:r>
-            <a:r>
-              <a:rPr lang="de-DE" sz="1800" dirty="0">
-                <a:solidFill>
-                  <a:schemeClr val="tx1"/>
-                </a:solidFill>
-              </a:rPr>
-              <a:t> </a:t>
-            </a:r>
-            <a:r>
-              <a:rPr lang="de-DE" sz="1800" dirty="0" err="1">
-                <a:solidFill>
-                  <a:schemeClr val="tx1"/>
-                </a:solidFill>
-              </a:rPr>
-              <a:t>for</a:t>
-            </a:r>
-            <a:r>
-              <a:rPr lang="de-DE" sz="1800" dirty="0">
-                <a:solidFill>
-                  <a:schemeClr val="tx1"/>
-                </a:solidFill>
-              </a:rPr>
-              <a:t> uniform and non-uniform </a:t>
-            </a:r>
-            <a:r>
-              <a:rPr lang="de-DE" sz="1800" dirty="0" err="1">
-                <a:solidFill>
-                  <a:schemeClr val="tx1"/>
-                </a:solidFill>
-              </a:rPr>
-              <a:t>dataset</a:t>
-            </a:r>
-            <a:endParaRPr lang="de-DE" sz="1800" dirty="0">
-              <a:solidFill>
-                <a:schemeClr val="tx1"/>
-              </a:solidFill>
-            </a:endParaRPr>
+              <a:t>: </a:t>
+            </a:r>
           </a:p>
           <a:p>
             <a:pPr marL="171450" indent="-171450">
@@ -15617,12 +14643,20 @@
               <a:buChar char="•"/>
             </a:pPr>
             <a:r>
+              <a:rPr lang="en-US" sz="1800" b="1">
+                <a:solidFill>
+                  <a:schemeClr val="tx1"/>
+                </a:solidFill>
+              </a:rPr>
+              <a:t>FINAL </a:t>
+            </a:r>
+            <a:r>
               <a:rPr lang="en-US" sz="1800" b="1" dirty="0">
                 <a:solidFill>
                   <a:schemeClr val="tx1"/>
                 </a:solidFill>
               </a:rPr>
-              <a:t>FINAL REQUIREMENTS FOR THE THESIS</a:t>
+              <a:t>REQUIREMENTS FOR THE THESIS</a:t>
             </a:r>
             <a:r>
               <a:rPr lang="en-US" sz="1800" dirty="0">
@@ -15686,7 +14720,7 @@
 </p:sld>
 </file>
 
-<file path=ppt/slides/slide16.xml><?xml version="1.0" encoding="utf-8"?>
+<file path=ppt/slides/slide13.xml><?xml version="1.0" encoding="utf-8"?>
 <p:sld xmlns:a="http://schemas.openxmlformats.org/drawingml/2006/main" xmlns:r="http://schemas.openxmlformats.org/officeDocument/2006/relationships" xmlns:p="http://schemas.openxmlformats.org/presentationml/2006/main">
   <p:cSld>
     <p:spTree>
